--- a/reports/Project Status 12.pptx
+++ b/reports/Project Status 12.pptx
@@ -110,6 +110,11 @@
       </a:defRPr>
     </a:lvl9pPr>
   </p:defaultTextStyle>
+  <p:extLst>
+    <p:ext uri="{EFAFB233-063F-42B5-8137-9DF3F51BA10A}">
+      <p15:sldGuideLst xmlns:p15="http://schemas.microsoft.com/office/powerpoint/2012/main"/>
+    </p:ext>
+  </p:extLst>
 </p:presentation>
 </file>
 
@@ -138,12 +143,12 @@
   <pc:docChgLst>
     <pc:chgData name="Arunabh Ghosh" userId="7064b204c6fa9c53" providerId="LiveId" clId="{7435F565-A70B-448D-B404-69537DB09095}"/>
     <pc:docChg chg="undo modSld">
-      <pc:chgData name="Arunabh Ghosh" userId="7064b204c6fa9c53" providerId="LiveId" clId="{7435F565-A70B-448D-B404-69537DB09095}" dt="2018-10-22T12:18:02.788" v="118" actId="20577"/>
+      <pc:chgData name="Arunabh Ghosh" userId="7064b204c6fa9c53" providerId="LiveId" clId="{7435F565-A70B-448D-B404-69537DB09095}" dt="2018-10-26T06:24:16.271" v="119" actId="1076"/>
       <pc:docMkLst>
         <pc:docMk/>
       </pc:docMkLst>
       <pc:sldChg chg="addSp modSp">
-        <pc:chgData name="Arunabh Ghosh" userId="7064b204c6fa9c53" providerId="LiveId" clId="{7435F565-A70B-448D-B404-69537DB09095}" dt="2018-10-22T12:18:02.788" v="118" actId="20577"/>
+        <pc:chgData name="Arunabh Ghosh" userId="7064b204c6fa9c53" providerId="LiveId" clId="{7435F565-A70B-448D-B404-69537DB09095}" dt="2018-10-26T06:24:16.271" v="119" actId="1076"/>
         <pc:sldMkLst>
           <pc:docMk/>
           <pc:sldMk cId="302913734" sldId="263"/>
@@ -172,6 +177,14 @@
             <ac:spMk id="18" creationId="{9D2FD68F-6E1F-4135-8A17-7DD57F9A7334}"/>
           </ac:spMkLst>
         </pc:spChg>
+        <pc:picChg chg="mod">
+          <ac:chgData name="Arunabh Ghosh" userId="7064b204c6fa9c53" providerId="LiveId" clId="{7435F565-A70B-448D-B404-69537DB09095}" dt="2018-10-26T06:24:16.271" v="119" actId="1076"/>
+          <ac:picMkLst>
+            <pc:docMk/>
+            <pc:sldMk cId="302913734" sldId="263"/>
+            <ac:picMk id="7" creationId="{936455B2-5850-45C9-AEBF-37EE36F7EBE2}"/>
+          </ac:picMkLst>
+        </pc:picChg>
       </pc:sldChg>
     </pc:docChg>
   </pc:docChgLst>
@@ -327,7 +340,7 @@
           <a:p>
             <a:fld id="{66372094-0FF1-4BCA-A93B-77CB21ADD642}" type="datetimeFigureOut">
               <a:rPr lang="en-IN" smtClean="0"/>
-              <a:t>22-10-2018</a:t>
+              <a:t>26-10-2018</a:t>
             </a:fld>
             <a:endParaRPr lang="en-IN"/>
           </a:p>
@@ -527,7 +540,7 @@
           <a:p>
             <a:fld id="{66372094-0FF1-4BCA-A93B-77CB21ADD642}" type="datetimeFigureOut">
               <a:rPr lang="en-IN" smtClean="0"/>
-              <a:t>22-10-2018</a:t>
+              <a:t>26-10-2018</a:t>
             </a:fld>
             <a:endParaRPr lang="en-IN"/>
           </a:p>
@@ -737,7 +750,7 @@
           <a:p>
             <a:fld id="{66372094-0FF1-4BCA-A93B-77CB21ADD642}" type="datetimeFigureOut">
               <a:rPr lang="en-IN" smtClean="0"/>
-              <a:t>22-10-2018</a:t>
+              <a:t>26-10-2018</a:t>
             </a:fld>
             <a:endParaRPr lang="en-IN"/>
           </a:p>
@@ -937,7 +950,7 @@
           <a:p>
             <a:fld id="{66372094-0FF1-4BCA-A93B-77CB21ADD642}" type="datetimeFigureOut">
               <a:rPr lang="en-IN" smtClean="0"/>
-              <a:t>22-10-2018</a:t>
+              <a:t>26-10-2018</a:t>
             </a:fld>
             <a:endParaRPr lang="en-IN"/>
           </a:p>
@@ -1213,7 +1226,7 @@
           <a:p>
             <a:fld id="{66372094-0FF1-4BCA-A93B-77CB21ADD642}" type="datetimeFigureOut">
               <a:rPr lang="en-IN" smtClean="0"/>
-              <a:t>22-10-2018</a:t>
+              <a:t>26-10-2018</a:t>
             </a:fld>
             <a:endParaRPr lang="en-IN"/>
           </a:p>
@@ -1481,7 +1494,7 @@
           <a:p>
             <a:fld id="{66372094-0FF1-4BCA-A93B-77CB21ADD642}" type="datetimeFigureOut">
               <a:rPr lang="en-IN" smtClean="0"/>
-              <a:t>22-10-2018</a:t>
+              <a:t>26-10-2018</a:t>
             </a:fld>
             <a:endParaRPr lang="en-IN"/>
           </a:p>
@@ -1896,7 +1909,7 @@
           <a:p>
             <a:fld id="{66372094-0FF1-4BCA-A93B-77CB21ADD642}" type="datetimeFigureOut">
               <a:rPr lang="en-IN" smtClean="0"/>
-              <a:t>22-10-2018</a:t>
+              <a:t>26-10-2018</a:t>
             </a:fld>
             <a:endParaRPr lang="en-IN"/>
           </a:p>
@@ -2038,7 +2051,7 @@
           <a:p>
             <a:fld id="{66372094-0FF1-4BCA-A93B-77CB21ADD642}" type="datetimeFigureOut">
               <a:rPr lang="en-IN" smtClean="0"/>
-              <a:t>22-10-2018</a:t>
+              <a:t>26-10-2018</a:t>
             </a:fld>
             <a:endParaRPr lang="en-IN"/>
           </a:p>
@@ -2151,7 +2164,7 @@
           <a:p>
             <a:fld id="{66372094-0FF1-4BCA-A93B-77CB21ADD642}" type="datetimeFigureOut">
               <a:rPr lang="en-IN" smtClean="0"/>
-              <a:t>22-10-2018</a:t>
+              <a:t>26-10-2018</a:t>
             </a:fld>
             <a:endParaRPr lang="en-IN"/>
           </a:p>
@@ -2464,7 +2477,7 @@
           <a:p>
             <a:fld id="{66372094-0FF1-4BCA-A93B-77CB21ADD642}" type="datetimeFigureOut">
               <a:rPr lang="en-IN" smtClean="0"/>
-              <a:t>22-10-2018</a:t>
+              <a:t>26-10-2018</a:t>
             </a:fld>
             <a:endParaRPr lang="en-IN"/>
           </a:p>
@@ -2753,7 +2766,7 @@
           <a:p>
             <a:fld id="{66372094-0FF1-4BCA-A93B-77CB21ADD642}" type="datetimeFigureOut">
               <a:rPr lang="en-IN" smtClean="0"/>
-              <a:t>22-10-2018</a:t>
+              <a:t>26-10-2018</a:t>
             </a:fld>
             <a:endParaRPr lang="en-IN"/>
           </a:p>
@@ -2996,7 +3009,7 @@
           <a:p>
             <a:fld id="{66372094-0FF1-4BCA-A93B-77CB21ADD642}" type="datetimeFigureOut">
               <a:rPr lang="en-IN" smtClean="0"/>
-              <a:t>22-10-2018</a:t>
+              <a:t>26-10-2018</a:t>
             </a:fld>
             <a:endParaRPr lang="en-IN"/>
           </a:p>
@@ -3681,8 +3694,8 @@
           </a:p>
         </p:txBody>
       </p:sp>
-      <mc:AlternateContent xmlns:mc="http://schemas.openxmlformats.org/markup-compatibility/2006">
-        <mc:Choice xmlns:a14="http://schemas.microsoft.com/office/drawing/2010/main" Requires="a14">
+      <mc:AlternateContent xmlns:mc="http://schemas.openxmlformats.org/markup-compatibility/2006" xmlns:a14="http://schemas.microsoft.com/office/drawing/2010/main">
+        <mc:Choice Requires="a14">
           <p:sp>
             <p:nvSpPr>
               <p:cNvPr id="5" name="Content Placeholder 4">
@@ -3751,7 +3764,7 @@
             </p:txBody>
           </p:sp>
         </mc:Choice>
-        <mc:Fallback>
+        <mc:Fallback xmlns="">
           <p:sp>
             <p:nvSpPr>
               <p:cNvPr id="5" name="Content Placeholder 4">
@@ -4751,8 +4764,8 @@
           </a:p>
         </p:txBody>
       </p:sp>
-      <mc:AlternateContent xmlns:mc="http://schemas.openxmlformats.org/markup-compatibility/2006">
-        <mc:Choice xmlns:a14="http://schemas.microsoft.com/office/drawing/2010/main" Requires="a14">
+      <mc:AlternateContent xmlns:mc="http://schemas.openxmlformats.org/markup-compatibility/2006" xmlns:a14="http://schemas.microsoft.com/office/drawing/2010/main">
+        <mc:Choice Requires="a14">
           <p:sp>
             <p:nvSpPr>
               <p:cNvPr id="5" name="Content Placeholder 4">
@@ -4818,7 +4831,7 @@
             </p:txBody>
           </p:sp>
         </mc:Choice>
-        <mc:Fallback>
+        <mc:Fallback xmlns="">
           <p:sp>
             <p:nvSpPr>
               <p:cNvPr id="5" name="Content Placeholder 4">
@@ -5836,7 +5849,7 @@
         </p:blipFill>
         <p:spPr>
           <a:xfrm>
-            <a:off x="4268470" y="2131616"/>
+            <a:off x="4268470" y="2179241"/>
             <a:ext cx="1099264" cy="1099264"/>
           </a:xfrm>
           <a:prstGeom prst="rect">
